--- a/요구명세서 그림.pptx
+++ b/요구명세서 그림.pptx
@@ -8,6 +8,7 @@
     <p:sldId id="256" r:id="rId2"/>
     <p:sldId id="257" r:id="rId3"/>
     <p:sldId id="258" r:id="rId4"/>
+    <p:sldId id="259" r:id="rId5"/>
   </p:sldIdLst>
   <p:sldSz cx="12192000" cy="6858000"/>
   <p:notesSz cx="6858000" cy="9144000"/>
@@ -106,6 +107,11 @@
       </a:defRPr>
     </a:lvl9pPr>
   </p:defaultTextStyle>
+  <p:extLst>
+    <p:ext uri="{EFAFB233-063F-42B5-8137-9DF3F51BA10A}">
+      <p15:sldGuideLst xmlns:p15="http://schemas.microsoft.com/office/powerpoint/2012/main"/>
+    </p:ext>
+  </p:extLst>
 </p:presentation>
 </file>
 
@@ -240,7 +246,7 @@
           <a:p>
             <a:fld id="{403211FE-D3F7-4A19-A310-43EA3380F3FC}" type="datetimeFigureOut">
               <a:rPr lang="ko-KR" altLang="en-US" smtClean="0"/>
-              <a:t>2021-04-07</a:t>
+              <a:t>2021-04-21</a:t>
             </a:fld>
             <a:endParaRPr lang="ko-KR" altLang="en-US"/>
           </a:p>
@@ -410,7 +416,7 @@
           <a:p>
             <a:fld id="{403211FE-D3F7-4A19-A310-43EA3380F3FC}" type="datetimeFigureOut">
               <a:rPr lang="ko-KR" altLang="en-US" smtClean="0"/>
-              <a:t>2021-04-07</a:t>
+              <a:t>2021-04-21</a:t>
             </a:fld>
             <a:endParaRPr lang="ko-KR" altLang="en-US"/>
           </a:p>
@@ -590,7 +596,7 @@
           <a:p>
             <a:fld id="{403211FE-D3F7-4A19-A310-43EA3380F3FC}" type="datetimeFigureOut">
               <a:rPr lang="ko-KR" altLang="en-US" smtClean="0"/>
-              <a:t>2021-04-07</a:t>
+              <a:t>2021-04-21</a:t>
             </a:fld>
             <a:endParaRPr lang="ko-KR" altLang="en-US"/>
           </a:p>
@@ -760,7 +766,7 @@
           <a:p>
             <a:fld id="{403211FE-D3F7-4A19-A310-43EA3380F3FC}" type="datetimeFigureOut">
               <a:rPr lang="ko-KR" altLang="en-US" smtClean="0"/>
-              <a:t>2021-04-07</a:t>
+              <a:t>2021-04-21</a:t>
             </a:fld>
             <a:endParaRPr lang="ko-KR" altLang="en-US"/>
           </a:p>
@@ -1006,7 +1012,7 @@
           <a:p>
             <a:fld id="{403211FE-D3F7-4A19-A310-43EA3380F3FC}" type="datetimeFigureOut">
               <a:rPr lang="ko-KR" altLang="en-US" smtClean="0"/>
-              <a:t>2021-04-07</a:t>
+              <a:t>2021-04-21</a:t>
             </a:fld>
             <a:endParaRPr lang="ko-KR" altLang="en-US"/>
           </a:p>
@@ -1238,7 +1244,7 @@
           <a:p>
             <a:fld id="{403211FE-D3F7-4A19-A310-43EA3380F3FC}" type="datetimeFigureOut">
               <a:rPr lang="ko-KR" altLang="en-US" smtClean="0"/>
-              <a:t>2021-04-07</a:t>
+              <a:t>2021-04-21</a:t>
             </a:fld>
             <a:endParaRPr lang="ko-KR" altLang="en-US"/>
           </a:p>
@@ -1605,7 +1611,7 @@
           <a:p>
             <a:fld id="{403211FE-D3F7-4A19-A310-43EA3380F3FC}" type="datetimeFigureOut">
               <a:rPr lang="ko-KR" altLang="en-US" smtClean="0"/>
-              <a:t>2021-04-07</a:t>
+              <a:t>2021-04-21</a:t>
             </a:fld>
             <a:endParaRPr lang="ko-KR" altLang="en-US"/>
           </a:p>
@@ -1723,7 +1729,7 @@
           <a:p>
             <a:fld id="{403211FE-D3F7-4A19-A310-43EA3380F3FC}" type="datetimeFigureOut">
               <a:rPr lang="ko-KR" altLang="en-US" smtClean="0"/>
-              <a:t>2021-04-07</a:t>
+              <a:t>2021-04-21</a:t>
             </a:fld>
             <a:endParaRPr lang="ko-KR" altLang="en-US"/>
           </a:p>
@@ -1818,7 +1824,7 @@
           <a:p>
             <a:fld id="{403211FE-D3F7-4A19-A310-43EA3380F3FC}" type="datetimeFigureOut">
               <a:rPr lang="ko-KR" altLang="en-US" smtClean="0"/>
-              <a:t>2021-04-07</a:t>
+              <a:t>2021-04-21</a:t>
             </a:fld>
             <a:endParaRPr lang="ko-KR" altLang="en-US"/>
           </a:p>
@@ -2095,7 +2101,7 @@
           <a:p>
             <a:fld id="{403211FE-D3F7-4A19-A310-43EA3380F3FC}" type="datetimeFigureOut">
               <a:rPr lang="ko-KR" altLang="en-US" smtClean="0"/>
-              <a:t>2021-04-07</a:t>
+              <a:t>2021-04-21</a:t>
             </a:fld>
             <a:endParaRPr lang="ko-KR" altLang="en-US"/>
           </a:p>
@@ -2348,7 +2354,7 @@
           <a:p>
             <a:fld id="{403211FE-D3F7-4A19-A310-43EA3380F3FC}" type="datetimeFigureOut">
               <a:rPr lang="ko-KR" altLang="en-US" smtClean="0"/>
-              <a:t>2021-04-07</a:t>
+              <a:t>2021-04-21</a:t>
             </a:fld>
             <a:endParaRPr lang="ko-KR" altLang="en-US"/>
           </a:p>
@@ -2561,7 +2567,7 @@
           <a:p>
             <a:fld id="{403211FE-D3F7-4A19-A310-43EA3380F3FC}" type="datetimeFigureOut">
               <a:rPr lang="ko-KR" altLang="en-US" smtClean="0"/>
-              <a:t>2021-04-07</a:t>
+              <a:t>2021-04-21</a:t>
             </a:fld>
             <a:endParaRPr lang="ko-KR" altLang="en-US"/>
           </a:p>
@@ -3773,10 +3779,467 @@
           </a:p>
         </p:txBody>
       </p:sp>
+      <p:pic>
+        <p:nvPicPr>
+          <p:cNvPr id="10" name="그림 9"/>
+          <p:cNvPicPr>
+            <a:picLocks/>
+          </p:cNvPicPr>
+          <p:nvPr/>
+        </p:nvPicPr>
+        <p:blipFill>
+          <a:blip r:embed="rId2"/>
+          <a:stretch>
+            <a:fillRect/>
+          </a:stretch>
+        </p:blipFill>
+        <p:spPr>
+          <a:xfrm>
+            <a:off x="6334148" y="1042286"/>
+            <a:ext cx="2520000" cy="4320000"/>
+          </a:xfrm>
+          <a:prstGeom prst="rect">
+            <a:avLst/>
+          </a:prstGeom>
+        </p:spPr>
+      </p:pic>
+      <p:pic>
+        <p:nvPicPr>
+          <p:cNvPr id="12" name="그림 11"/>
+          <p:cNvPicPr>
+            <a:picLocks/>
+          </p:cNvPicPr>
+          <p:nvPr/>
+        </p:nvPicPr>
+        <p:blipFill>
+          <a:blip r:embed="rId2"/>
+          <a:stretch>
+            <a:fillRect/>
+          </a:stretch>
+        </p:blipFill>
+        <p:spPr>
+          <a:xfrm>
+            <a:off x="9255148" y="1042286"/>
+            <a:ext cx="2520000" cy="4320000"/>
+          </a:xfrm>
+          <a:prstGeom prst="rect">
+            <a:avLst/>
+          </a:prstGeom>
+        </p:spPr>
+      </p:pic>
+      <p:pic>
+        <p:nvPicPr>
+          <p:cNvPr id="2" name="그림 1"/>
+          <p:cNvPicPr>
+            <a:picLocks/>
+          </p:cNvPicPr>
+          <p:nvPr/>
+        </p:nvPicPr>
+        <p:blipFill>
+          <a:blip r:embed="rId5"/>
+          <a:stretch>
+            <a:fillRect/>
+          </a:stretch>
+        </p:blipFill>
+        <p:spPr>
+          <a:xfrm>
+            <a:off x="6334148" y="1042286"/>
+            <a:ext cx="2520000" cy="3960000"/>
+          </a:xfrm>
+          <a:prstGeom prst="rect">
+            <a:avLst/>
+          </a:prstGeom>
+        </p:spPr>
+      </p:pic>
+      <p:sp>
+        <p:nvSpPr>
+          <p:cNvPr id="13" name="TextBox 12"/>
+          <p:cNvSpPr txBox="1"/>
+          <p:nvPr/>
+        </p:nvSpPr>
+        <p:spPr>
+          <a:xfrm>
+            <a:off x="6999273" y="5601793"/>
+            <a:ext cx="1107996" cy="369332"/>
+          </a:xfrm>
+          <a:prstGeom prst="rect">
+            <a:avLst/>
+          </a:prstGeom>
+          <a:noFill/>
+        </p:spPr>
+        <p:txBody>
+          <a:bodyPr wrap="none" rtlCol="0">
+            <a:spAutoFit/>
+          </a:bodyPr>
+          <a:lstStyle/>
+          <a:p>
+            <a:r>
+              <a:rPr lang="ko-KR" altLang="en-US" dirty="0" smtClean="0"/>
+              <a:t>카테고리</a:t>
+            </a:r>
+            <a:endParaRPr lang="en-US" altLang="ko-KR" dirty="0" smtClean="0"/>
+          </a:p>
+        </p:txBody>
+      </p:sp>
+      <p:pic>
+        <p:nvPicPr>
+          <p:cNvPr id="3" name="그림 2"/>
+          <p:cNvPicPr>
+            <a:picLocks/>
+          </p:cNvPicPr>
+          <p:nvPr/>
+        </p:nvPicPr>
+        <p:blipFill>
+          <a:blip r:embed="rId6"/>
+          <a:stretch>
+            <a:fillRect/>
+          </a:stretch>
+        </p:blipFill>
+        <p:spPr>
+          <a:xfrm>
+            <a:off x="9255148" y="1042286"/>
+            <a:ext cx="2520000" cy="3960000"/>
+          </a:xfrm>
+          <a:prstGeom prst="rect">
+            <a:avLst/>
+          </a:prstGeom>
+        </p:spPr>
+      </p:pic>
+      <p:sp>
+        <p:nvSpPr>
+          <p:cNvPr id="14" name="TextBox 13"/>
+          <p:cNvSpPr txBox="1"/>
+          <p:nvPr/>
+        </p:nvSpPr>
+        <p:spPr>
+          <a:xfrm>
+            <a:off x="9961150" y="5601793"/>
+            <a:ext cx="877163" cy="369332"/>
+          </a:xfrm>
+          <a:prstGeom prst="rect">
+            <a:avLst/>
+          </a:prstGeom>
+          <a:noFill/>
+        </p:spPr>
+        <p:txBody>
+          <a:bodyPr wrap="none" rtlCol="0">
+            <a:spAutoFit/>
+          </a:bodyPr>
+          <a:lstStyle/>
+          <a:p>
+            <a:r>
+              <a:rPr lang="ko-KR" altLang="en-US" dirty="0" smtClean="0"/>
+              <a:t>리스트</a:t>
+            </a:r>
+            <a:endParaRPr lang="en-US" altLang="ko-KR" dirty="0" smtClean="0"/>
+          </a:p>
+        </p:txBody>
+      </p:sp>
     </p:spTree>
     <p:extLst>
       <p:ext uri="{BB962C8B-B14F-4D97-AF65-F5344CB8AC3E}">
         <p14:creationId xmlns:p14="http://schemas.microsoft.com/office/powerpoint/2010/main" val="2994559543"/>
+      </p:ext>
+    </p:extLst>
+  </p:cSld>
+  <p:clrMapOvr>
+    <a:masterClrMapping/>
+  </p:clrMapOvr>
+  <p:timing>
+    <p:tnLst>
+      <p:par>
+        <p:cTn id="1" dur="indefinite" restart="never" nodeType="tmRoot"/>
+      </p:par>
+    </p:tnLst>
+  </p:timing>
+</p:sld>
+</file>
+
+<file path=ppt/slides/slide4.xml><?xml version="1.0" encoding="utf-8"?>
+<p:sld xmlns:a="http://schemas.openxmlformats.org/drawingml/2006/main" xmlns:r="http://schemas.openxmlformats.org/officeDocument/2006/relationships" xmlns:p="http://schemas.openxmlformats.org/presentationml/2006/main">
+  <p:cSld>
+    <p:spTree>
+      <p:nvGrpSpPr>
+        <p:cNvPr id="1" name=""/>
+        <p:cNvGrpSpPr/>
+        <p:nvPr/>
+      </p:nvGrpSpPr>
+      <p:grpSpPr>
+        <a:xfrm>
+          <a:off x="0" y="0"/>
+          <a:ext cx="0" cy="0"/>
+          <a:chOff x="0" y="0"/>
+          <a:chExt cx="0" cy="0"/>
+        </a:xfrm>
+      </p:grpSpPr>
+      <p:pic>
+        <p:nvPicPr>
+          <p:cNvPr id="6" name="그림 5"/>
+          <p:cNvPicPr>
+            <a:picLocks/>
+          </p:cNvPicPr>
+          <p:nvPr/>
+        </p:nvPicPr>
+        <p:blipFill>
+          <a:blip r:embed="rId2"/>
+          <a:stretch>
+            <a:fillRect/>
+          </a:stretch>
+        </p:blipFill>
+        <p:spPr>
+          <a:xfrm>
+            <a:off x="3392366" y="1093509"/>
+            <a:ext cx="2520000" cy="4320000"/>
+          </a:xfrm>
+          <a:prstGeom prst="rect">
+            <a:avLst/>
+          </a:prstGeom>
+        </p:spPr>
+      </p:pic>
+      <p:pic>
+        <p:nvPicPr>
+          <p:cNvPr id="7" name="그림 6"/>
+          <p:cNvPicPr>
+            <a:picLocks/>
+          </p:cNvPicPr>
+          <p:nvPr/>
+        </p:nvPicPr>
+        <p:blipFill>
+          <a:blip r:embed="rId2"/>
+          <a:stretch>
+            <a:fillRect/>
+          </a:stretch>
+        </p:blipFill>
+        <p:spPr>
+          <a:xfrm>
+            <a:off x="6403421" y="1093509"/>
+            <a:ext cx="2520000" cy="4320000"/>
+          </a:xfrm>
+          <a:prstGeom prst="rect">
+            <a:avLst/>
+          </a:prstGeom>
+        </p:spPr>
+      </p:pic>
+      <p:pic>
+        <p:nvPicPr>
+          <p:cNvPr id="8" name="그림 7"/>
+          <p:cNvPicPr>
+            <a:picLocks/>
+          </p:cNvPicPr>
+          <p:nvPr/>
+        </p:nvPicPr>
+        <p:blipFill>
+          <a:blip r:embed="rId2"/>
+          <a:stretch>
+            <a:fillRect/>
+          </a:stretch>
+        </p:blipFill>
+        <p:spPr>
+          <a:xfrm>
+            <a:off x="9414476" y="1093509"/>
+            <a:ext cx="2520000" cy="4320000"/>
+          </a:xfrm>
+          <a:prstGeom prst="rect">
+            <a:avLst/>
+          </a:prstGeom>
+        </p:spPr>
+      </p:pic>
+      <p:pic>
+        <p:nvPicPr>
+          <p:cNvPr id="9" name="그림 8"/>
+          <p:cNvPicPr>
+            <a:picLocks/>
+          </p:cNvPicPr>
+          <p:nvPr/>
+        </p:nvPicPr>
+        <p:blipFill>
+          <a:blip r:embed="rId2"/>
+          <a:stretch>
+            <a:fillRect/>
+          </a:stretch>
+        </p:blipFill>
+        <p:spPr>
+          <a:xfrm>
+            <a:off x="381311" y="1093509"/>
+            <a:ext cx="2520000" cy="4320000"/>
+          </a:xfrm>
+          <a:prstGeom prst="rect">
+            <a:avLst/>
+          </a:prstGeom>
+        </p:spPr>
+      </p:pic>
+      <p:pic>
+        <p:nvPicPr>
+          <p:cNvPr id="4" name="그림 3"/>
+          <p:cNvPicPr>
+            <a:picLocks/>
+          </p:cNvPicPr>
+          <p:nvPr/>
+        </p:nvPicPr>
+        <p:blipFill>
+          <a:blip r:embed="rId3"/>
+          <a:stretch>
+            <a:fillRect/>
+          </a:stretch>
+        </p:blipFill>
+        <p:spPr>
+          <a:xfrm>
+            <a:off x="381311" y="1093509"/>
+            <a:ext cx="2520000" cy="3960000"/>
+          </a:xfrm>
+          <a:prstGeom prst="rect">
+            <a:avLst/>
+          </a:prstGeom>
+        </p:spPr>
+      </p:pic>
+      <p:sp>
+        <p:nvSpPr>
+          <p:cNvPr id="10" name="TextBox 9"/>
+          <p:cNvSpPr txBox="1"/>
+          <p:nvPr/>
+        </p:nvSpPr>
+        <p:spPr>
+          <a:xfrm>
+            <a:off x="1046436" y="5601793"/>
+            <a:ext cx="1189749" cy="369332"/>
+          </a:xfrm>
+          <a:prstGeom prst="rect">
+            <a:avLst/>
+          </a:prstGeom>
+          <a:noFill/>
+        </p:spPr>
+        <p:txBody>
+          <a:bodyPr wrap="none" rtlCol="0">
+            <a:spAutoFit/>
+          </a:bodyPr>
+          <a:lstStyle/>
+          <a:p>
+            <a:r>
+              <a:rPr lang="ko-KR" altLang="en-US" dirty="0" smtClean="0"/>
+              <a:t>설명 메뉴</a:t>
+            </a:r>
+            <a:endParaRPr lang="ko-KR" altLang="en-US" dirty="0"/>
+          </a:p>
+        </p:txBody>
+      </p:sp>
+      <p:pic>
+        <p:nvPicPr>
+          <p:cNvPr id="11" name="그림 10"/>
+          <p:cNvPicPr>
+            <a:picLocks/>
+          </p:cNvPicPr>
+          <p:nvPr/>
+        </p:nvPicPr>
+        <p:blipFill>
+          <a:blip r:embed="rId4"/>
+          <a:stretch>
+            <a:fillRect/>
+          </a:stretch>
+        </p:blipFill>
+        <p:spPr>
+          <a:xfrm>
+            <a:off x="3392366" y="1093509"/>
+            <a:ext cx="2520000" cy="3960000"/>
+          </a:xfrm>
+          <a:prstGeom prst="rect">
+            <a:avLst/>
+          </a:prstGeom>
+        </p:spPr>
+      </p:pic>
+      <p:sp>
+        <p:nvSpPr>
+          <p:cNvPr id="13" name="TextBox 12"/>
+          <p:cNvSpPr txBox="1"/>
+          <p:nvPr/>
+        </p:nvSpPr>
+        <p:spPr>
+          <a:xfrm>
+            <a:off x="4098368" y="5601793"/>
+            <a:ext cx="1107996" cy="369332"/>
+          </a:xfrm>
+          <a:prstGeom prst="rect">
+            <a:avLst/>
+          </a:prstGeom>
+          <a:noFill/>
+        </p:spPr>
+        <p:txBody>
+          <a:bodyPr wrap="none" rtlCol="0">
+            <a:spAutoFit/>
+          </a:bodyPr>
+          <a:lstStyle/>
+          <a:p>
+            <a:r>
+              <a:rPr lang="ko-KR" altLang="en-US" dirty="0" smtClean="0"/>
+              <a:t>장바구니</a:t>
+            </a:r>
+            <a:endParaRPr lang="ko-KR" altLang="en-US" dirty="0"/>
+          </a:p>
+        </p:txBody>
+      </p:sp>
+      <p:sp>
+        <p:nvSpPr>
+          <p:cNvPr id="14" name="TextBox 13"/>
+          <p:cNvSpPr txBox="1"/>
+          <p:nvPr/>
+        </p:nvSpPr>
+        <p:spPr>
+          <a:xfrm>
+            <a:off x="7068546" y="5601793"/>
+            <a:ext cx="1189749" cy="369332"/>
+          </a:xfrm>
+          <a:prstGeom prst="rect">
+            <a:avLst/>
+          </a:prstGeom>
+          <a:noFill/>
+        </p:spPr>
+        <p:txBody>
+          <a:bodyPr wrap="none" rtlCol="0">
+            <a:spAutoFit/>
+          </a:bodyPr>
+          <a:lstStyle/>
+          <a:p>
+            <a:r>
+              <a:rPr lang="ko-KR" altLang="en-US" dirty="0" smtClean="0"/>
+              <a:t>설명 메뉴</a:t>
+            </a:r>
+            <a:endParaRPr lang="ko-KR" altLang="en-US" dirty="0"/>
+          </a:p>
+        </p:txBody>
+      </p:sp>
+      <p:sp>
+        <p:nvSpPr>
+          <p:cNvPr id="15" name="TextBox 14"/>
+          <p:cNvSpPr txBox="1"/>
+          <p:nvPr/>
+        </p:nvSpPr>
+        <p:spPr>
+          <a:xfrm>
+            <a:off x="10328983" y="5601793"/>
+            <a:ext cx="1189749" cy="369332"/>
+          </a:xfrm>
+          <a:prstGeom prst="rect">
+            <a:avLst/>
+          </a:prstGeom>
+          <a:noFill/>
+        </p:spPr>
+        <p:txBody>
+          <a:bodyPr wrap="none" rtlCol="0">
+            <a:spAutoFit/>
+          </a:bodyPr>
+          <a:lstStyle/>
+          <a:p>
+            <a:r>
+              <a:rPr lang="ko-KR" altLang="en-US" dirty="0" smtClean="0"/>
+              <a:t>설명 메뉴</a:t>
+            </a:r>
+            <a:endParaRPr lang="ko-KR" altLang="en-US" dirty="0"/>
+          </a:p>
+        </p:txBody>
+      </p:sp>
+    </p:spTree>
+    <p:extLst>
+      <p:ext uri="{BB962C8B-B14F-4D97-AF65-F5344CB8AC3E}">
+        <p14:creationId xmlns:p14="http://schemas.microsoft.com/office/powerpoint/2010/main" val="2767818443"/>
       </p:ext>
     </p:extLst>
   </p:cSld>

--- a/요구명세서 그림.pptx
+++ b/요구명세서 그림.pptx
@@ -9,6 +9,7 @@
     <p:sldId id="257" r:id="rId3"/>
     <p:sldId id="258" r:id="rId4"/>
     <p:sldId id="259" r:id="rId5"/>
+    <p:sldId id="260" r:id="rId6"/>
   </p:sldIdLst>
   <p:sldSz cx="12192000" cy="6858000"/>
   <p:notesSz cx="6858000" cy="9144000"/>
@@ -246,7 +247,7 @@
           <a:p>
             <a:fld id="{403211FE-D3F7-4A19-A310-43EA3380F3FC}" type="datetimeFigureOut">
               <a:rPr lang="ko-KR" altLang="en-US" smtClean="0"/>
-              <a:t>2021-04-21</a:t>
+              <a:t>2021-04-22</a:t>
             </a:fld>
             <a:endParaRPr lang="ko-KR" altLang="en-US"/>
           </a:p>
@@ -416,7 +417,7 @@
           <a:p>
             <a:fld id="{403211FE-D3F7-4A19-A310-43EA3380F3FC}" type="datetimeFigureOut">
               <a:rPr lang="ko-KR" altLang="en-US" smtClean="0"/>
-              <a:t>2021-04-21</a:t>
+              <a:t>2021-04-22</a:t>
             </a:fld>
             <a:endParaRPr lang="ko-KR" altLang="en-US"/>
           </a:p>
@@ -596,7 +597,7 @@
           <a:p>
             <a:fld id="{403211FE-D3F7-4A19-A310-43EA3380F3FC}" type="datetimeFigureOut">
               <a:rPr lang="ko-KR" altLang="en-US" smtClean="0"/>
-              <a:t>2021-04-21</a:t>
+              <a:t>2021-04-22</a:t>
             </a:fld>
             <a:endParaRPr lang="ko-KR" altLang="en-US"/>
           </a:p>
@@ -766,7 +767,7 @@
           <a:p>
             <a:fld id="{403211FE-D3F7-4A19-A310-43EA3380F3FC}" type="datetimeFigureOut">
               <a:rPr lang="ko-KR" altLang="en-US" smtClean="0"/>
-              <a:t>2021-04-21</a:t>
+              <a:t>2021-04-22</a:t>
             </a:fld>
             <a:endParaRPr lang="ko-KR" altLang="en-US"/>
           </a:p>
@@ -1012,7 +1013,7 @@
           <a:p>
             <a:fld id="{403211FE-D3F7-4A19-A310-43EA3380F3FC}" type="datetimeFigureOut">
               <a:rPr lang="ko-KR" altLang="en-US" smtClean="0"/>
-              <a:t>2021-04-21</a:t>
+              <a:t>2021-04-22</a:t>
             </a:fld>
             <a:endParaRPr lang="ko-KR" altLang="en-US"/>
           </a:p>
@@ -1244,7 +1245,7 @@
           <a:p>
             <a:fld id="{403211FE-D3F7-4A19-A310-43EA3380F3FC}" type="datetimeFigureOut">
               <a:rPr lang="ko-KR" altLang="en-US" smtClean="0"/>
-              <a:t>2021-04-21</a:t>
+              <a:t>2021-04-22</a:t>
             </a:fld>
             <a:endParaRPr lang="ko-KR" altLang="en-US"/>
           </a:p>
@@ -1611,7 +1612,7 @@
           <a:p>
             <a:fld id="{403211FE-D3F7-4A19-A310-43EA3380F3FC}" type="datetimeFigureOut">
               <a:rPr lang="ko-KR" altLang="en-US" smtClean="0"/>
-              <a:t>2021-04-21</a:t>
+              <a:t>2021-04-22</a:t>
             </a:fld>
             <a:endParaRPr lang="ko-KR" altLang="en-US"/>
           </a:p>
@@ -1729,7 +1730,7 @@
           <a:p>
             <a:fld id="{403211FE-D3F7-4A19-A310-43EA3380F3FC}" type="datetimeFigureOut">
               <a:rPr lang="ko-KR" altLang="en-US" smtClean="0"/>
-              <a:t>2021-04-21</a:t>
+              <a:t>2021-04-22</a:t>
             </a:fld>
             <a:endParaRPr lang="ko-KR" altLang="en-US"/>
           </a:p>
@@ -1824,7 +1825,7 @@
           <a:p>
             <a:fld id="{403211FE-D3F7-4A19-A310-43EA3380F3FC}" type="datetimeFigureOut">
               <a:rPr lang="ko-KR" altLang="en-US" smtClean="0"/>
-              <a:t>2021-04-21</a:t>
+              <a:t>2021-04-22</a:t>
             </a:fld>
             <a:endParaRPr lang="ko-KR" altLang="en-US"/>
           </a:p>
@@ -2101,7 +2102,7 @@
           <a:p>
             <a:fld id="{403211FE-D3F7-4A19-A310-43EA3380F3FC}" type="datetimeFigureOut">
               <a:rPr lang="ko-KR" altLang="en-US" smtClean="0"/>
-              <a:t>2021-04-21</a:t>
+              <a:t>2021-04-22</a:t>
             </a:fld>
             <a:endParaRPr lang="ko-KR" altLang="en-US"/>
           </a:p>
@@ -2354,7 +2355,7 @@
           <a:p>
             <a:fld id="{403211FE-D3F7-4A19-A310-43EA3380F3FC}" type="datetimeFigureOut">
               <a:rPr lang="ko-KR" altLang="en-US" smtClean="0"/>
-              <a:t>2021-04-21</a:t>
+              <a:t>2021-04-22</a:t>
             </a:fld>
             <a:endParaRPr lang="ko-KR" altLang="en-US"/>
           </a:p>
@@ -2567,7 +2568,7 @@
           <a:p>
             <a:fld id="{403211FE-D3F7-4A19-A310-43EA3380F3FC}" type="datetimeFigureOut">
               <a:rPr lang="ko-KR" altLang="en-US" smtClean="0"/>
-              <a:t>2021-04-21</a:t>
+              <a:t>2021-04-22</a:t>
             </a:fld>
             <a:endParaRPr lang="ko-KR" altLang="en-US"/>
           </a:p>
@@ -4100,7 +4101,7 @@
         </p:nvSpPr>
         <p:spPr>
           <a:xfrm>
-            <a:off x="1046436" y="5601793"/>
+            <a:off x="1046437" y="5601793"/>
             <a:ext cx="1189749" cy="369332"/>
           </a:xfrm>
           <a:prstGeom prst="rect">
@@ -4116,9 +4117,9 @@
           <a:p>
             <a:r>
               <a:rPr lang="ko-KR" altLang="en-US" dirty="0" smtClean="0"/>
-              <a:t>설명 메뉴</a:t>
-            </a:r>
-            <a:endParaRPr lang="ko-KR" altLang="en-US" dirty="0"/>
+              <a:t>정보 메뉴</a:t>
+            </a:r>
+            <a:endParaRPr lang="en-US" altLang="ko-KR" dirty="0" smtClean="0"/>
           </a:p>
         </p:txBody>
       </p:sp>
@@ -4184,8 +4185,8 @@
         </p:nvSpPr>
         <p:spPr>
           <a:xfrm>
-            <a:off x="7068546" y="5601793"/>
-            <a:ext cx="1189749" cy="369332"/>
+            <a:off x="7109423" y="5601793"/>
+            <a:ext cx="1107996" cy="369332"/>
           </a:xfrm>
           <a:prstGeom prst="rect">
             <a:avLst/>
@@ -4199,8 +4200,8 @@
           <a:lstStyle/>
           <a:p>
             <a:r>
-              <a:rPr lang="ko-KR" altLang="en-US" dirty="0" smtClean="0"/>
-              <a:t>설명 메뉴</a:t>
+              <a:rPr lang="ko-KR" altLang="en-US" dirty="0" err="1" smtClean="0"/>
+              <a:t>결제화면</a:t>
             </a:r>
             <a:endParaRPr lang="ko-KR" altLang="en-US" dirty="0"/>
           </a:p>
@@ -4214,7 +4215,7 @@
         </p:nvSpPr>
         <p:spPr>
           <a:xfrm>
-            <a:off x="10328983" y="5601793"/>
+            <a:off x="10079601" y="5543604"/>
             <a:ext cx="1189749" cy="369332"/>
           </a:xfrm>
           <a:prstGeom prst="rect">
@@ -4230,12 +4231,60 @@
           <a:p>
             <a:r>
               <a:rPr lang="ko-KR" altLang="en-US" dirty="0" smtClean="0"/>
-              <a:t>설명 메뉴</a:t>
+              <a:t>주문 내역</a:t>
             </a:r>
             <a:endParaRPr lang="ko-KR" altLang="en-US" dirty="0"/>
           </a:p>
         </p:txBody>
       </p:sp>
+      <p:pic>
+        <p:nvPicPr>
+          <p:cNvPr id="2" name="그림 1"/>
+          <p:cNvPicPr>
+            <a:picLocks/>
+          </p:cNvPicPr>
+          <p:nvPr/>
+        </p:nvPicPr>
+        <p:blipFill>
+          <a:blip r:embed="rId5"/>
+          <a:stretch>
+            <a:fillRect/>
+          </a:stretch>
+        </p:blipFill>
+        <p:spPr>
+          <a:xfrm>
+            <a:off x="6403421" y="1093509"/>
+            <a:ext cx="2520000" cy="3960000"/>
+          </a:xfrm>
+          <a:prstGeom prst="rect">
+            <a:avLst/>
+          </a:prstGeom>
+        </p:spPr>
+      </p:pic>
+      <p:pic>
+        <p:nvPicPr>
+          <p:cNvPr id="3" name="그림 2"/>
+          <p:cNvPicPr>
+            <a:picLocks/>
+          </p:cNvPicPr>
+          <p:nvPr/>
+        </p:nvPicPr>
+        <p:blipFill>
+          <a:blip r:embed="rId6"/>
+          <a:stretch>
+            <a:fillRect/>
+          </a:stretch>
+        </p:blipFill>
+        <p:spPr>
+          <a:xfrm>
+            <a:off x="9414476" y="1093509"/>
+            <a:ext cx="2520000" cy="3960000"/>
+          </a:xfrm>
+          <a:prstGeom prst="rect">
+            <a:avLst/>
+          </a:prstGeom>
+        </p:spPr>
+      </p:pic>
     </p:spTree>
     <p:extLst>
       <p:ext uri="{BB962C8B-B14F-4D97-AF65-F5344CB8AC3E}">
@@ -4253,6 +4302,324 @@
       </p:par>
     </p:tnLst>
   </p:timing>
+</p:sld>
+</file>
+
+<file path=ppt/slides/slide5.xml><?xml version="1.0" encoding="utf-8"?>
+<p:sld xmlns:a="http://schemas.openxmlformats.org/drawingml/2006/main" xmlns:r="http://schemas.openxmlformats.org/officeDocument/2006/relationships" xmlns:p="http://schemas.openxmlformats.org/presentationml/2006/main">
+  <p:cSld>
+    <p:spTree>
+      <p:nvGrpSpPr>
+        <p:cNvPr id="1" name=""/>
+        <p:cNvGrpSpPr/>
+        <p:nvPr/>
+      </p:nvGrpSpPr>
+      <p:grpSpPr>
+        <a:xfrm>
+          <a:off x="0" y="0"/>
+          <a:ext cx="0" cy="0"/>
+          <a:chOff x="0" y="0"/>
+          <a:chExt cx="0" cy="0"/>
+        </a:xfrm>
+      </p:grpSpPr>
+      <p:pic>
+        <p:nvPicPr>
+          <p:cNvPr id="4" name="그림 3"/>
+          <p:cNvPicPr>
+            <a:picLocks/>
+          </p:cNvPicPr>
+          <p:nvPr/>
+        </p:nvPicPr>
+        <p:blipFill>
+          <a:blip r:embed="rId2"/>
+          <a:stretch>
+            <a:fillRect/>
+          </a:stretch>
+        </p:blipFill>
+        <p:spPr>
+          <a:xfrm>
+            <a:off x="455202" y="964200"/>
+            <a:ext cx="2520000" cy="4320000"/>
+          </a:xfrm>
+          <a:prstGeom prst="rect">
+            <a:avLst/>
+          </a:prstGeom>
+        </p:spPr>
+      </p:pic>
+      <p:pic>
+        <p:nvPicPr>
+          <p:cNvPr id="5" name="그림 4"/>
+          <p:cNvPicPr>
+            <a:picLocks/>
+          </p:cNvPicPr>
+          <p:nvPr/>
+        </p:nvPicPr>
+        <p:blipFill>
+          <a:blip r:embed="rId2"/>
+          <a:stretch>
+            <a:fillRect/>
+          </a:stretch>
+        </p:blipFill>
+        <p:spPr>
+          <a:xfrm>
+            <a:off x="3493966" y="964200"/>
+            <a:ext cx="2520000" cy="4320000"/>
+          </a:xfrm>
+          <a:prstGeom prst="rect">
+            <a:avLst/>
+          </a:prstGeom>
+        </p:spPr>
+      </p:pic>
+      <p:pic>
+        <p:nvPicPr>
+          <p:cNvPr id="6" name="그림 5"/>
+          <p:cNvPicPr>
+            <a:picLocks/>
+          </p:cNvPicPr>
+          <p:nvPr/>
+        </p:nvPicPr>
+        <p:blipFill>
+          <a:blip r:embed="rId2"/>
+          <a:stretch>
+            <a:fillRect/>
+          </a:stretch>
+        </p:blipFill>
+        <p:spPr>
+          <a:xfrm>
+            <a:off x="6532730" y="964200"/>
+            <a:ext cx="2520000" cy="4320000"/>
+          </a:xfrm>
+          <a:prstGeom prst="rect">
+            <a:avLst/>
+          </a:prstGeom>
+        </p:spPr>
+      </p:pic>
+      <p:pic>
+        <p:nvPicPr>
+          <p:cNvPr id="7" name="그림 6"/>
+          <p:cNvPicPr>
+            <a:picLocks/>
+          </p:cNvPicPr>
+          <p:nvPr/>
+        </p:nvPicPr>
+        <p:blipFill>
+          <a:blip r:embed="rId2"/>
+          <a:stretch>
+            <a:fillRect/>
+          </a:stretch>
+        </p:blipFill>
+        <p:spPr>
+          <a:xfrm>
+            <a:off x="9571494" y="890309"/>
+            <a:ext cx="2520000" cy="4320000"/>
+          </a:xfrm>
+          <a:prstGeom prst="rect">
+            <a:avLst/>
+          </a:prstGeom>
+        </p:spPr>
+      </p:pic>
+      <p:pic>
+        <p:nvPicPr>
+          <p:cNvPr id="8" name="그림 7"/>
+          <p:cNvPicPr>
+            <a:picLocks/>
+          </p:cNvPicPr>
+          <p:nvPr/>
+        </p:nvPicPr>
+        <p:blipFill>
+          <a:blip r:embed="rId3"/>
+          <a:stretch>
+            <a:fillRect/>
+          </a:stretch>
+        </p:blipFill>
+        <p:spPr>
+          <a:xfrm>
+            <a:off x="455202" y="964200"/>
+            <a:ext cx="2520000" cy="3960000"/>
+          </a:xfrm>
+          <a:prstGeom prst="rect">
+            <a:avLst/>
+          </a:prstGeom>
+        </p:spPr>
+      </p:pic>
+      <p:sp>
+        <p:nvSpPr>
+          <p:cNvPr id="9" name="TextBox 8"/>
+          <p:cNvSpPr txBox="1"/>
+          <p:nvPr/>
+        </p:nvSpPr>
+        <p:spPr>
+          <a:xfrm>
+            <a:off x="1120327" y="5583321"/>
+            <a:ext cx="1189749" cy="369332"/>
+          </a:xfrm>
+          <a:prstGeom prst="rect">
+            <a:avLst/>
+          </a:prstGeom>
+          <a:noFill/>
+        </p:spPr>
+        <p:txBody>
+          <a:bodyPr wrap="none" rtlCol="0">
+            <a:spAutoFit/>
+          </a:bodyPr>
+          <a:lstStyle/>
+          <a:p>
+            <a:r>
+              <a:rPr lang="ko-KR" altLang="en-US" dirty="0" smtClean="0"/>
+              <a:t>주문 내역</a:t>
+            </a:r>
+            <a:endParaRPr lang="en-US" altLang="ko-KR" dirty="0" smtClean="0"/>
+          </a:p>
+        </p:txBody>
+      </p:sp>
+      <p:sp>
+        <p:nvSpPr>
+          <p:cNvPr id="10" name="TextBox 9"/>
+          <p:cNvSpPr txBox="1"/>
+          <p:nvPr/>
+        </p:nvSpPr>
+        <p:spPr>
+          <a:xfrm>
+            <a:off x="4159091" y="5583321"/>
+            <a:ext cx="1189749" cy="369332"/>
+          </a:xfrm>
+          <a:prstGeom prst="rect">
+            <a:avLst/>
+          </a:prstGeom>
+          <a:noFill/>
+        </p:spPr>
+        <p:txBody>
+          <a:bodyPr wrap="none" rtlCol="0">
+            <a:spAutoFit/>
+          </a:bodyPr>
+          <a:lstStyle/>
+          <a:p>
+            <a:r>
+              <a:rPr lang="ko-KR" altLang="en-US" dirty="0" smtClean="0"/>
+              <a:t>리뷰 작성</a:t>
+            </a:r>
+            <a:endParaRPr lang="en-US" altLang="ko-KR" dirty="0" smtClean="0"/>
+          </a:p>
+        </p:txBody>
+      </p:sp>
+      <p:pic>
+        <p:nvPicPr>
+          <p:cNvPr id="11" name="그림 10"/>
+          <p:cNvPicPr>
+            <a:picLocks/>
+          </p:cNvPicPr>
+          <p:nvPr/>
+        </p:nvPicPr>
+        <p:blipFill>
+          <a:blip r:embed="rId4"/>
+          <a:stretch>
+            <a:fillRect/>
+          </a:stretch>
+        </p:blipFill>
+        <p:spPr>
+          <a:xfrm>
+            <a:off x="3493965" y="964200"/>
+            <a:ext cx="2520000" cy="3960000"/>
+          </a:xfrm>
+          <a:prstGeom prst="rect">
+            <a:avLst/>
+          </a:prstGeom>
+        </p:spPr>
+      </p:pic>
+      <p:sp>
+        <p:nvSpPr>
+          <p:cNvPr id="12" name="TextBox 11"/>
+          <p:cNvSpPr txBox="1"/>
+          <p:nvPr/>
+        </p:nvSpPr>
+        <p:spPr>
+          <a:xfrm>
+            <a:off x="7313271" y="5583321"/>
+            <a:ext cx="958917" cy="369332"/>
+          </a:xfrm>
+          <a:prstGeom prst="rect">
+            <a:avLst/>
+          </a:prstGeom>
+          <a:noFill/>
+        </p:spPr>
+        <p:txBody>
+          <a:bodyPr wrap="none" rtlCol="0">
+            <a:spAutoFit/>
+          </a:bodyPr>
+          <a:lstStyle/>
+          <a:p>
+            <a:r>
+              <a:rPr lang="ko-KR" altLang="en-US" dirty="0" smtClean="0"/>
+              <a:t>내 정보</a:t>
+            </a:r>
+            <a:endParaRPr lang="en-US" altLang="ko-KR" dirty="0" smtClean="0"/>
+          </a:p>
+        </p:txBody>
+      </p:sp>
+      <p:sp>
+        <p:nvSpPr>
+          <p:cNvPr id="13" name="TextBox 12"/>
+          <p:cNvSpPr txBox="1"/>
+          <p:nvPr/>
+        </p:nvSpPr>
+        <p:spPr>
+          <a:xfrm>
+            <a:off x="10236619" y="5583321"/>
+            <a:ext cx="1189749" cy="369332"/>
+          </a:xfrm>
+          <a:prstGeom prst="rect">
+            <a:avLst/>
+          </a:prstGeom>
+          <a:noFill/>
+        </p:spPr>
+        <p:txBody>
+          <a:bodyPr wrap="none" rtlCol="0">
+            <a:spAutoFit/>
+          </a:bodyPr>
+          <a:lstStyle/>
+          <a:p>
+            <a:r>
+              <a:rPr lang="ko-KR" altLang="en-US" dirty="0" smtClean="0"/>
+              <a:t>정보 수정</a:t>
+            </a:r>
+            <a:endParaRPr lang="en-US" altLang="ko-KR" dirty="0" smtClean="0"/>
+          </a:p>
+        </p:txBody>
+      </p:sp>
+      <p:pic>
+        <p:nvPicPr>
+          <p:cNvPr id="15" name="그림 14"/>
+          <p:cNvPicPr>
+            <a:picLocks/>
+          </p:cNvPicPr>
+          <p:nvPr/>
+        </p:nvPicPr>
+        <p:blipFill>
+          <a:blip r:embed="rId5"/>
+          <a:stretch>
+            <a:fillRect/>
+          </a:stretch>
+        </p:blipFill>
+        <p:spPr>
+          <a:xfrm>
+            <a:off x="6532730" y="964200"/>
+            <a:ext cx="2520000" cy="3960000"/>
+          </a:xfrm>
+          <a:prstGeom prst="rect">
+            <a:avLst/>
+          </a:prstGeom>
+        </p:spPr>
+      </p:pic>
+    </p:spTree>
+    <p:extLst>
+      <p:ext uri="{BB962C8B-B14F-4D97-AF65-F5344CB8AC3E}">
+        <p14:creationId xmlns:p14="http://schemas.microsoft.com/office/powerpoint/2010/main" val="3699421639"/>
+      </p:ext>
+    </p:extLst>
+  </p:cSld>
+  <p:clrMapOvr>
+    <a:masterClrMapping/>
+  </p:clrMapOvr>
 </p:sld>
 </file>
 
